--- a/docs/Презентация.pptx
+++ b/docs/Презентация.pptx
@@ -109,6 +109,11 @@
       </a:defRPr>
     </a:lvl9pPr>
   </p:defaultTextStyle>
+  <p:extLst>
+    <p:ext uri="{EFAFB233-063F-42B5-8137-9DF3F51BA10A}">
+      <p15:sldGuideLst xmlns:p15="http://schemas.microsoft.com/office/powerpoint/2012/main"/>
+    </p:ext>
+  </p:extLst>
 </p:presentation>
 </file>
 
@@ -259,7 +264,7 @@
           <a:p>
             <a:fld id="{DC1EA843-F27B-4765-AEB2-682F7D62B918}" type="datetimeFigureOut">
               <a:rPr lang="ru-RU" smtClean="0"/>
-              <a:t>05.11.2022</a:t>
+              <a:t>06.11.2022</a:t>
             </a:fld>
             <a:endParaRPr lang="ru-RU"/>
           </a:p>
@@ -457,7 +462,7 @@
           <a:p>
             <a:fld id="{DC1EA843-F27B-4765-AEB2-682F7D62B918}" type="datetimeFigureOut">
               <a:rPr lang="ru-RU" smtClean="0"/>
-              <a:t>05.11.2022</a:t>
+              <a:t>06.11.2022</a:t>
             </a:fld>
             <a:endParaRPr lang="ru-RU"/>
           </a:p>
@@ -665,7 +670,7 @@
           <a:p>
             <a:fld id="{DC1EA843-F27B-4765-AEB2-682F7D62B918}" type="datetimeFigureOut">
               <a:rPr lang="ru-RU" smtClean="0"/>
-              <a:t>05.11.2022</a:t>
+              <a:t>06.11.2022</a:t>
             </a:fld>
             <a:endParaRPr lang="ru-RU"/>
           </a:p>
@@ -863,7 +868,7 @@
           <a:p>
             <a:fld id="{DC1EA843-F27B-4765-AEB2-682F7D62B918}" type="datetimeFigureOut">
               <a:rPr lang="ru-RU" smtClean="0"/>
-              <a:t>05.11.2022</a:t>
+              <a:t>06.11.2022</a:t>
             </a:fld>
             <a:endParaRPr lang="ru-RU"/>
           </a:p>
@@ -1138,7 +1143,7 @@
           <a:p>
             <a:fld id="{DC1EA843-F27B-4765-AEB2-682F7D62B918}" type="datetimeFigureOut">
               <a:rPr lang="ru-RU" smtClean="0"/>
-              <a:t>05.11.2022</a:t>
+              <a:t>06.11.2022</a:t>
             </a:fld>
             <a:endParaRPr lang="ru-RU"/>
           </a:p>
@@ -1403,7 +1408,7 @@
           <a:p>
             <a:fld id="{DC1EA843-F27B-4765-AEB2-682F7D62B918}" type="datetimeFigureOut">
               <a:rPr lang="ru-RU" smtClean="0"/>
-              <a:t>05.11.2022</a:t>
+              <a:t>06.11.2022</a:t>
             </a:fld>
             <a:endParaRPr lang="ru-RU"/>
           </a:p>
@@ -1815,7 +1820,7 @@
           <a:p>
             <a:fld id="{DC1EA843-F27B-4765-AEB2-682F7D62B918}" type="datetimeFigureOut">
               <a:rPr lang="ru-RU" smtClean="0"/>
-              <a:t>05.11.2022</a:t>
+              <a:t>06.11.2022</a:t>
             </a:fld>
             <a:endParaRPr lang="ru-RU"/>
           </a:p>
@@ -1956,7 +1961,7 @@
           <a:p>
             <a:fld id="{DC1EA843-F27B-4765-AEB2-682F7D62B918}" type="datetimeFigureOut">
               <a:rPr lang="ru-RU" smtClean="0"/>
-              <a:t>05.11.2022</a:t>
+              <a:t>06.11.2022</a:t>
             </a:fld>
             <a:endParaRPr lang="ru-RU"/>
           </a:p>
@@ -2069,7 +2074,7 @@
           <a:p>
             <a:fld id="{DC1EA843-F27B-4765-AEB2-682F7D62B918}" type="datetimeFigureOut">
               <a:rPr lang="ru-RU" smtClean="0"/>
-              <a:t>05.11.2022</a:t>
+              <a:t>06.11.2022</a:t>
             </a:fld>
             <a:endParaRPr lang="ru-RU"/>
           </a:p>
@@ -2380,7 +2385,7 @@
           <a:p>
             <a:fld id="{DC1EA843-F27B-4765-AEB2-682F7D62B918}" type="datetimeFigureOut">
               <a:rPr lang="ru-RU" smtClean="0"/>
-              <a:t>05.11.2022</a:t>
+              <a:t>06.11.2022</a:t>
             </a:fld>
             <a:endParaRPr lang="ru-RU"/>
           </a:p>
@@ -2668,7 +2673,7 @@
           <a:p>
             <a:fld id="{DC1EA843-F27B-4765-AEB2-682F7D62B918}" type="datetimeFigureOut">
               <a:rPr lang="ru-RU" smtClean="0"/>
-              <a:t>05.11.2022</a:t>
+              <a:t>06.11.2022</a:t>
             </a:fld>
             <a:endParaRPr lang="ru-RU"/>
           </a:p>
@@ -2909,7 +2914,7 @@
           <a:p>
             <a:fld id="{DC1EA843-F27B-4765-AEB2-682F7D62B918}" type="datetimeFigureOut">
               <a:rPr lang="ru-RU" smtClean="0"/>
-              <a:t>05.11.2022</a:t>
+              <a:t>06.11.2022</a:t>
             </a:fld>
             <a:endParaRPr lang="ru-RU"/>
           </a:p>
@@ -3522,7 +3527,7 @@
         <p:spPr>
           <a:xfrm>
             <a:off x="838200" y="2755959"/>
-            <a:ext cx="3754618" cy="523220"/>
+            <a:ext cx="3929409" cy="523220"/>
           </a:xfrm>
           <a:prstGeom prst="rect">
             <a:avLst/>
@@ -3537,7 +3542,7 @@
           <a:p>
             <a:r>
               <a:rPr lang="ru-RU" sz="2800" b="1" dirty="0"/>
-              <a:t>Возможности проекта:</a:t>
+              <a:t>Что будет уметь проект:</a:t>
             </a:r>
           </a:p>
         </p:txBody>
@@ -4987,15 +4992,7 @@
           <a:p>
             <a:r>
               <a:rPr lang="ru-RU" sz="2000" dirty="0"/>
-              <a:t>Редактор умеет масштабировать изображение, как с </a:t>
-            </a:r>
-            <a:r>
-              <a:rPr lang="ru-RU" sz="2000" dirty="0" err="1"/>
-              <a:t>глаживанием</a:t>
-            </a:r>
-            <a:r>
-              <a:rPr lang="ru-RU" sz="2000" dirty="0"/>
-              <a:t>, так и без.</a:t>
+              <a:t>Редактор умеет масштабировать изображение, как с сглаживанием, так и без.</a:t>
             </a:r>
           </a:p>
         </p:txBody>
